--- a/tolgagureli.pptx
+++ b/tolgagureli.pptx
@@ -31,21 +31,22 @@
     <p:sldId id="280" r:id="rId25"/>
     <p:sldId id="281" r:id="rId26"/>
     <p:sldId id="282" r:id="rId27"/>
-    <p:sldId id="283" r:id="rId28"/>
-    <p:sldId id="284" r:id="rId29"/>
-    <p:sldId id="285" r:id="rId30"/>
-    <p:sldId id="286" r:id="rId31"/>
-    <p:sldId id="287" r:id="rId32"/>
-    <p:sldId id="288" r:id="rId33"/>
-    <p:sldId id="289" r:id="rId34"/>
-    <p:sldId id="290" r:id="rId35"/>
-    <p:sldId id="291" r:id="rId36"/>
-    <p:sldId id="292" r:id="rId37"/>
-    <p:sldId id="293" r:id="rId38"/>
-    <p:sldId id="294" r:id="rId39"/>
-    <p:sldId id="295" r:id="rId40"/>
-    <p:sldId id="296" r:id="rId41"/>
-    <p:sldId id="297" r:id="rId42"/>
+    <p:sldId id="298" r:id="rId28"/>
+    <p:sldId id="283" r:id="rId29"/>
+    <p:sldId id="284" r:id="rId30"/>
+    <p:sldId id="285" r:id="rId31"/>
+    <p:sldId id="286" r:id="rId32"/>
+    <p:sldId id="287" r:id="rId33"/>
+    <p:sldId id="288" r:id="rId34"/>
+    <p:sldId id="289" r:id="rId35"/>
+    <p:sldId id="290" r:id="rId36"/>
+    <p:sldId id="291" r:id="rId37"/>
+    <p:sldId id="292" r:id="rId38"/>
+    <p:sldId id="293" r:id="rId39"/>
+    <p:sldId id="294" r:id="rId40"/>
+    <p:sldId id="295" r:id="rId41"/>
+    <p:sldId id="296" r:id="rId42"/>
+    <p:sldId id="297" r:id="rId43"/>
   </p:sldIdLst>
   <p:sldSz cx="12192000" cy="6858000"/>
   <p:notesSz cx="6858000" cy="9144000"/>
@@ -183,6 +184,7 @@
           <p14:sldIdLst>
             <p14:sldId id="281"/>
             <p14:sldId id="282"/>
+            <p14:sldId id="298"/>
             <p14:sldId id="283"/>
             <p14:sldId id="284"/>
             <p14:sldId id="285"/>
@@ -5755,10 +5757,7 @@
               <a:rPr lang="tr-TR" dirty="0" err="1"/>
               <a:t>Display</a:t>
             </a:r>
-            <a:r>
-              <a:rPr lang="tr-TR" dirty="0"/>
-              <a:t> Özellikleri</a:t>
-            </a:r>
+            <a:endParaRPr lang="tr-TR" dirty="0"/>
           </a:p>
         </p:txBody>
       </p:sp>
@@ -5985,7 +5984,7 @@
           <a:p>
             <a:r>
               <a:rPr lang="tr-TR" dirty="0" err="1"/>
-              <a:t>None</a:t>
+              <a:t>Display:None</a:t>
             </a:r>
             <a:endParaRPr lang="tr-TR" dirty="0"/>
           </a:p>
@@ -6098,6 +6097,137 @@
       </p:grpSpPr>
       <p:sp>
         <p:nvSpPr>
+          <p:cNvPr id="2" name="Title 1">
+            <a:extLst>
+              <a:ext uri="{FF2B5EF4-FFF2-40B4-BE49-F238E27FC236}">
+                <a16:creationId xmlns:a16="http://schemas.microsoft.com/office/drawing/2014/main" id="{C9211B27-02B7-46AE-9DD5-F8124B46326E}"/>
+              </a:ext>
+            </a:extLst>
+          </p:cNvPr>
+          <p:cNvSpPr>
+            <a:spLocks noGrp="1"/>
+          </p:cNvSpPr>
+          <p:nvPr>
+            <p:ph type="title"/>
+          </p:nvPr>
+        </p:nvSpPr>
+        <p:spPr/>
+        <p:txBody>
+          <a:bodyPr/>
+          <a:lstStyle/>
+          <a:p>
+            <a:r>
+              <a:rPr lang="tr-TR" dirty="0"/>
+              <a:t>CSS </a:t>
+            </a:r>
+            <a:r>
+              <a:rPr lang="tr-TR" dirty="0" err="1"/>
+              <a:t>Visibilty</a:t>
+            </a:r>
+            <a:r>
+              <a:rPr lang="tr-TR" dirty="0"/>
+              <a:t> Özellikleri</a:t>
+            </a:r>
+          </a:p>
+        </p:txBody>
+      </p:sp>
+      <p:sp>
+        <p:nvSpPr>
+          <p:cNvPr id="3" name="Content Placeholder 2">
+            <a:extLst>
+              <a:ext uri="{FF2B5EF4-FFF2-40B4-BE49-F238E27FC236}">
+                <a16:creationId xmlns:a16="http://schemas.microsoft.com/office/drawing/2014/main" id="{28094BA8-FD51-4AA9-98C3-FA09E73BB535}"/>
+              </a:ext>
+            </a:extLst>
+          </p:cNvPr>
+          <p:cNvSpPr>
+            <a:spLocks noGrp="1"/>
+          </p:cNvSpPr>
+          <p:nvPr>
+            <p:ph idx="1"/>
+          </p:nvPr>
+        </p:nvSpPr>
+        <p:spPr/>
+        <p:txBody>
+          <a:bodyPr/>
+          <a:lstStyle/>
+          <a:p>
+            <a:r>
+              <a:rPr lang="tr-TR" dirty="0" err="1"/>
+              <a:t>visible</a:t>
+            </a:r>
+            <a:r>
+              <a:rPr lang="tr-TR" dirty="0"/>
+              <a:t> özelliği, bir belgenin düzenini değiştirmeden bir öğeyi gösterir veya gizler. Ayrıca &lt;</a:t>
+            </a:r>
+            <a:r>
+              <a:rPr lang="tr-TR" dirty="0" err="1"/>
+              <a:t>table</a:t>
+            </a:r>
+            <a:r>
+              <a:rPr lang="tr-TR" dirty="0"/>
+              <a:t>&gt; içindeki satırları veya sütunları da gizleyebilir veya gösterebilir. Gizleme değeri öğenizi sadece görünmez kılar ve öğeniz hala oradadır. Öğeyi tamamen içerikten kaldırmak istiyorsanız </a:t>
+            </a:r>
+            <a:r>
+              <a:rPr lang="tr-TR" dirty="0" err="1"/>
+              <a:t>display</a:t>
+            </a:r>
+            <a:r>
+              <a:rPr lang="tr-TR" dirty="0"/>
+              <a:t> özelliğine </a:t>
+            </a:r>
+            <a:r>
+              <a:rPr lang="tr-TR" dirty="0" err="1"/>
+              <a:t>none</a:t>
+            </a:r>
+            <a:r>
+              <a:rPr lang="tr-TR" dirty="0"/>
+              <a:t> değeri vererek kullanmalısınız.</a:t>
+            </a:r>
+          </a:p>
+          <a:p>
+            <a:endParaRPr lang="tr-TR" dirty="0"/>
+          </a:p>
+          <a:p>
+            <a:endParaRPr lang="tr-TR" dirty="0"/>
+          </a:p>
+          <a:p>
+            <a:endParaRPr lang="tr-TR" dirty="0"/>
+          </a:p>
+        </p:txBody>
+      </p:sp>
+    </p:spTree>
+    <p:extLst>
+      <p:ext uri="{BB962C8B-B14F-4D97-AF65-F5344CB8AC3E}">
+        <p14:creationId xmlns:p14="http://schemas.microsoft.com/office/powerpoint/2010/main" val="1466600787"/>
+      </p:ext>
+    </p:extLst>
+  </p:cSld>
+  <p:clrMapOvr>
+    <a:masterClrMapping/>
+  </p:clrMapOvr>
+</p:sld>
+</file>
+
+<file path=ppt/slides/slide28.xml><?xml version="1.0" encoding="utf-8"?>
+<p:sld xmlns:a="http://schemas.openxmlformats.org/drawingml/2006/main" xmlns:r="http://schemas.openxmlformats.org/officeDocument/2006/relationships" xmlns:p="http://schemas.openxmlformats.org/presentationml/2006/main">
+  <p:cSld>
+    <p:spTree>
+      <p:nvGrpSpPr>
+        <p:cNvPr id="1" name=""/>
+        <p:cNvGrpSpPr/>
+        <p:nvPr/>
+      </p:nvGrpSpPr>
+      <p:grpSpPr>
+        <a:xfrm>
+          <a:off x="0" y="0"/>
+          <a:ext cx="0" cy="0"/>
+          <a:chOff x="0" y="0"/>
+          <a:chExt cx="0" cy="0"/>
+        </a:xfrm>
+      </p:grpSpPr>
+      <p:sp>
+        <p:nvSpPr>
           <p:cNvPr id="3" name="Content Placeholder 2">
             <a:extLst>
               <a:ext uri="{FF2B5EF4-FFF2-40B4-BE49-F238E27FC236}">
@@ -6114,7 +6244,7 @@
         </p:nvSpPr>
         <p:spPr>
           <a:xfrm>
-            <a:off x="669524" y="653773"/>
+            <a:off x="651769" y="1719094"/>
             <a:ext cx="10515600" cy="5498452"/>
           </a:xfrm>
         </p:spPr>
@@ -6251,7 +6381,7 @@
         </p:blipFill>
         <p:spPr>
           <a:xfrm>
-            <a:off x="7674008" y="2858724"/>
+            <a:off x="7913706" y="3995065"/>
             <a:ext cx="3112362" cy="687678"/>
           </a:xfrm>
           <a:prstGeom prst="rect">
@@ -6281,7 +6411,7 @@
         </p:blipFill>
         <p:spPr>
           <a:xfrm>
-            <a:off x="7674008" y="5015429"/>
+            <a:off x="7913706" y="5849930"/>
             <a:ext cx="3112362" cy="707479"/>
           </a:xfrm>
           <a:prstGeom prst="rect">
@@ -6311,7 +6441,7 @@
         </p:blipFill>
         <p:spPr>
           <a:xfrm>
-            <a:off x="7674007" y="1114912"/>
+            <a:off x="7913706" y="2286765"/>
             <a:ext cx="3112362" cy="670270"/>
           </a:xfrm>
           <a:prstGeom prst="rect">
@@ -6319,6 +6449,56 @@
           </a:prstGeom>
         </p:spPr>
       </p:pic>
+      <p:sp>
+        <p:nvSpPr>
+          <p:cNvPr id="7" name="Title 1">
+            <a:extLst>
+              <a:ext uri="{FF2B5EF4-FFF2-40B4-BE49-F238E27FC236}">
+                <a16:creationId xmlns:a16="http://schemas.microsoft.com/office/drawing/2014/main" id="{ECF53D53-FF9F-45DE-9CDB-009A0630F15F}"/>
+              </a:ext>
+            </a:extLst>
+          </p:cNvPr>
+          <p:cNvSpPr>
+            <a:spLocks noGrp="1"/>
+          </p:cNvSpPr>
+          <p:nvPr>
+            <p:ph type="title"/>
+          </p:nvPr>
+        </p:nvSpPr>
+        <p:spPr>
+          <a:xfrm>
+            <a:off x="838200" y="365125"/>
+            <a:ext cx="10515600" cy="1325563"/>
+          </a:xfrm>
+        </p:spPr>
+        <p:txBody>
+          <a:bodyPr/>
+          <a:lstStyle/>
+          <a:p>
+            <a:r>
+              <a:rPr lang="tr-TR" dirty="0" err="1"/>
+              <a:t>Display</a:t>
+            </a:r>
+            <a:r>
+              <a:rPr lang="tr-TR" dirty="0"/>
+              <a:t> </a:t>
+            </a:r>
+            <a:r>
+              <a:rPr lang="tr-TR" dirty="0" err="1"/>
+              <a:t>vs</a:t>
+            </a:r>
+            <a:r>
+              <a:rPr lang="tr-TR" dirty="0"/>
+              <a:t> </a:t>
+            </a:r>
+            <a:r>
+              <a:rPr lang="tr-TR" dirty="0" err="1"/>
+              <a:t>Visibilty</a:t>
+            </a:r>
+            <a:endParaRPr lang="tr-TR" dirty="0"/>
+          </a:p>
+        </p:txBody>
+      </p:sp>
     </p:spTree>
     <p:extLst>
       <p:ext uri="{BB962C8B-B14F-4D97-AF65-F5344CB8AC3E}">
@@ -6332,7 +6512,7 @@
 </p:sld>
 </file>
 
-<file path=ppt/slides/slide28.xml><?xml version="1.0" encoding="utf-8"?>
+<file path=ppt/slides/slide29.xml><?xml version="1.0" encoding="utf-8"?>
 <p:sld xmlns:a="http://schemas.openxmlformats.org/drawingml/2006/main" xmlns:r="http://schemas.openxmlformats.org/officeDocument/2006/relationships" xmlns:p="http://schemas.openxmlformats.org/presentationml/2006/main">
   <p:cSld>
     <p:spTree>
@@ -6536,7 +6716,182 @@
 </p:sld>
 </file>
 
-<file path=ppt/slides/slide29.xml><?xml version="1.0" encoding="utf-8"?>
+<file path=ppt/slides/slide3.xml><?xml version="1.0" encoding="utf-8"?>
+<p:sld xmlns:a="http://schemas.openxmlformats.org/drawingml/2006/main" xmlns:r="http://schemas.openxmlformats.org/officeDocument/2006/relationships" xmlns:p="http://schemas.openxmlformats.org/presentationml/2006/main">
+  <p:cSld>
+    <p:spTree>
+      <p:nvGrpSpPr>
+        <p:cNvPr id="1" name=""/>
+        <p:cNvGrpSpPr/>
+        <p:nvPr/>
+      </p:nvGrpSpPr>
+      <p:grpSpPr>
+        <a:xfrm>
+          <a:off x="0" y="0"/>
+          <a:ext cx="0" cy="0"/>
+          <a:chOff x="0" y="0"/>
+          <a:chExt cx="0" cy="0"/>
+        </a:xfrm>
+      </p:grpSpPr>
+      <p:sp>
+        <p:nvSpPr>
+          <p:cNvPr id="2" name="Title 1">
+            <a:extLst>
+              <a:ext uri="{FF2B5EF4-FFF2-40B4-BE49-F238E27FC236}">
+                <a16:creationId xmlns:a16="http://schemas.microsoft.com/office/drawing/2014/main" id="{997BB02D-82D9-43FB-80DC-546FEBBD167E}"/>
+              </a:ext>
+            </a:extLst>
+          </p:cNvPr>
+          <p:cNvSpPr>
+            <a:spLocks noGrp="1"/>
+          </p:cNvSpPr>
+          <p:nvPr>
+            <p:ph type="title"/>
+          </p:nvPr>
+        </p:nvSpPr>
+        <p:spPr/>
+        <p:txBody>
+          <a:bodyPr/>
+          <a:lstStyle/>
+          <a:p>
+            <a:r>
+              <a:rPr lang="tr-TR" dirty="0"/>
+              <a:t>URL Bölümleri Nelerden Oluşur?</a:t>
+            </a:r>
+          </a:p>
+        </p:txBody>
+      </p:sp>
+      <p:sp>
+        <p:nvSpPr>
+          <p:cNvPr id="4" name="AutoShape 2" descr="URI, URL ve URN Nedir?">
+            <a:extLst>
+              <a:ext uri="{FF2B5EF4-FFF2-40B4-BE49-F238E27FC236}">
+                <a16:creationId xmlns:a16="http://schemas.microsoft.com/office/drawing/2014/main" id="{33C49030-F7DA-47C1-8509-77D3F89CDCA2}"/>
+              </a:ext>
+            </a:extLst>
+          </p:cNvPr>
+          <p:cNvSpPr>
+            <a:spLocks noGrp="1" noChangeAspect="1" noChangeArrowheads="1"/>
+          </p:cNvSpPr>
+          <p:nvPr>
+            <p:ph idx="1"/>
+          </p:nvPr>
+        </p:nvSpPr>
+        <p:spPr bwMode="auto">
+          <a:xfrm>
+            <a:off x="838200" y="1825624"/>
+            <a:ext cx="10515600" cy="4592931"/>
+          </a:xfrm>
+          <a:prstGeom prst="rect">
+            <a:avLst/>
+          </a:prstGeom>
+          <a:noFill/>
+          <a:extLst>
+            <a:ext uri="{909E8E84-426E-40DD-AFC4-6F175D3DCCD1}">
+              <a14:hiddenFill xmlns:a14="http://schemas.microsoft.com/office/drawing/2010/main">
+                <a:solidFill>
+                  <a:srgbClr val="FFFFFF"/>
+                </a:solidFill>
+              </a14:hiddenFill>
+            </a:ext>
+          </a:extLst>
+        </p:spPr>
+        <p:txBody>
+          <a:bodyPr vert="horz" wrap="square" lIns="91440" tIns="45720" rIns="91440" bIns="45720" numCol="1" anchor="t" anchorCtr="0" compatLnSpc="1">
+            <a:prstTxWarp prst="textNoShape">
+              <a:avLst/>
+            </a:prstTxWarp>
+            <a:normAutofit lnSpcReduction="10000"/>
+          </a:bodyPr>
+          <a:lstStyle/>
+          <a:p>
+            <a:pPr marL="0" indent="0">
+              <a:buNone/>
+            </a:pPr>
+            <a:r>
+              <a:rPr lang="tr-TR" sz="1800" dirty="0"/>
+              <a:t>1. Protokol </a:t>
+            </a:r>
+          </a:p>
+          <a:p>
+            <a:pPr marL="0" indent="0">
+              <a:buNone/>
+            </a:pPr>
+            <a:r>
+              <a:rPr lang="tr-TR" sz="1800" dirty="0"/>
+              <a:t>Genellikle, http:// veya https:// olarak çalışır. Bu protokoller, web tarayıcısına bir web adresinin nasıl takip etmesini söyler. Günümüzde neredeyse tüm web sitelerinde protokolü sizin yazmanıza gerek kalmadan tarayıcı kendi kendine doldurur. </a:t>
+            </a:r>
+          </a:p>
+          <a:p>
+            <a:pPr marL="0" indent="0">
+              <a:buNone/>
+            </a:pPr>
+            <a:r>
+              <a:rPr lang="tr-TR" sz="1800" dirty="0"/>
+              <a:t>2. Domain (Alan Adı) </a:t>
+            </a:r>
+          </a:p>
+          <a:p>
+            <a:pPr marL="0" indent="0">
+              <a:buNone/>
+            </a:pPr>
+            <a:r>
+              <a:rPr lang="tr-TR" sz="1800" dirty="0"/>
+              <a:t>Domain bir web sitesinin adıdır. Bir URL adresinin en üstüdür. Protokolden hemen sonra yazılır. Alan adını hangi sitenin sayfasına gideceğini belirtmek için kullanılır. </a:t>
+            </a:r>
+          </a:p>
+          <a:p>
+            <a:pPr marL="0" indent="0">
+              <a:buNone/>
+            </a:pPr>
+            <a:r>
+              <a:rPr lang="tr-TR" sz="1800" dirty="0"/>
+              <a:t>3. Yol </a:t>
+            </a:r>
+          </a:p>
+          <a:p>
+            <a:pPr marL="0" indent="0">
+              <a:buNone/>
+            </a:pPr>
+            <a:r>
+              <a:rPr lang="tr-TR" sz="1800" dirty="0"/>
+              <a:t>Bunu web sitesinin klasör yapısı olarak düşünebilirsiniz, böylece bir tarayıcı web sayfasının hangi alt klasörde olacağını bilir. Sitedeki herhangi bir dosyaya ulaşmak için yazılan kısımdır. </a:t>
+            </a:r>
+          </a:p>
+          <a:p>
+            <a:pPr marL="0" indent="0">
+              <a:buNone/>
+            </a:pPr>
+            <a:r>
+              <a:rPr lang="tr-TR" sz="1800" dirty="0"/>
+              <a:t>4. Web Sayfası</a:t>
+            </a:r>
+          </a:p>
+          <a:p>
+            <a:pPr marL="0" indent="0">
+              <a:buNone/>
+            </a:pPr>
+            <a:r>
+              <a:rPr lang="tr-TR" sz="1800" dirty="0"/>
+              <a:t>URL adresinin son kısmıdır ve açmak istediğiniz web sayfasıdır. Gitmek istediğiniz web sitesinin bir sayfasını görüntülemek için kullanılan kısımdır. URL adresleri yaşanılan karmaşıklığı gizler. IP adresleri web sayfasının internetteki gerçek konumu olarak hizmet eden bir karakter dizisidir. Bir web tarayıcısına URL girdiğinizde, tarayıcınız Alan Adı Sunucusu (DNS) adı verilen bir araç kullanarak alan adının IP adresini arar.</a:t>
+            </a:r>
+          </a:p>
+        </p:txBody>
+      </p:sp>
+    </p:spTree>
+    <p:extLst>
+      <p:ext uri="{BB962C8B-B14F-4D97-AF65-F5344CB8AC3E}">
+        <p14:creationId xmlns:p14="http://schemas.microsoft.com/office/powerpoint/2010/main" val="3238425634"/>
+      </p:ext>
+    </p:extLst>
+  </p:cSld>
+  <p:clrMapOvr>
+    <a:masterClrMapping/>
+  </p:clrMapOvr>
+</p:sld>
+</file>
+
+<file path=ppt/slides/slide30.xml><?xml version="1.0" encoding="utf-8"?>
 <p:sld xmlns:a="http://schemas.openxmlformats.org/drawingml/2006/main" xmlns:r="http://schemas.openxmlformats.org/officeDocument/2006/relationships" xmlns:p="http://schemas.openxmlformats.org/presentationml/2006/main">
   <p:cSld>
     <p:spTree>
@@ -6734,7 +7089,7 @@
 </p:sld>
 </file>
 
-<file path=ppt/slides/slide3.xml><?xml version="1.0" encoding="utf-8"?>
+<file path=ppt/slides/slide31.xml><?xml version="1.0" encoding="utf-8"?>
 <p:sld xmlns:a="http://schemas.openxmlformats.org/drawingml/2006/main" xmlns:r="http://schemas.openxmlformats.org/officeDocument/2006/relationships" xmlns:p="http://schemas.openxmlformats.org/presentationml/2006/main">
   <p:cSld>
     <p:spTree>
@@ -6756,181 +7111,6 @@
           <p:cNvPr id="2" name="Title 1">
             <a:extLst>
               <a:ext uri="{FF2B5EF4-FFF2-40B4-BE49-F238E27FC236}">
-                <a16:creationId xmlns:a16="http://schemas.microsoft.com/office/drawing/2014/main" id="{997BB02D-82D9-43FB-80DC-546FEBBD167E}"/>
-              </a:ext>
-            </a:extLst>
-          </p:cNvPr>
-          <p:cNvSpPr>
-            <a:spLocks noGrp="1"/>
-          </p:cNvSpPr>
-          <p:nvPr>
-            <p:ph type="title"/>
-          </p:nvPr>
-        </p:nvSpPr>
-        <p:spPr/>
-        <p:txBody>
-          <a:bodyPr/>
-          <a:lstStyle/>
-          <a:p>
-            <a:r>
-              <a:rPr lang="tr-TR" dirty="0"/>
-              <a:t>URL Bölümleri Nelerden Oluşur?</a:t>
-            </a:r>
-          </a:p>
-        </p:txBody>
-      </p:sp>
-      <p:sp>
-        <p:nvSpPr>
-          <p:cNvPr id="4" name="AutoShape 2" descr="URI, URL ve URN Nedir?">
-            <a:extLst>
-              <a:ext uri="{FF2B5EF4-FFF2-40B4-BE49-F238E27FC236}">
-                <a16:creationId xmlns:a16="http://schemas.microsoft.com/office/drawing/2014/main" id="{33C49030-F7DA-47C1-8509-77D3F89CDCA2}"/>
-              </a:ext>
-            </a:extLst>
-          </p:cNvPr>
-          <p:cNvSpPr>
-            <a:spLocks noGrp="1" noChangeAspect="1" noChangeArrowheads="1"/>
-          </p:cNvSpPr>
-          <p:nvPr>
-            <p:ph idx="1"/>
-          </p:nvPr>
-        </p:nvSpPr>
-        <p:spPr bwMode="auto">
-          <a:xfrm>
-            <a:off x="838200" y="1825624"/>
-            <a:ext cx="10515600" cy="4592931"/>
-          </a:xfrm>
-          <a:prstGeom prst="rect">
-            <a:avLst/>
-          </a:prstGeom>
-          <a:noFill/>
-          <a:extLst>
-            <a:ext uri="{909E8E84-426E-40DD-AFC4-6F175D3DCCD1}">
-              <a14:hiddenFill xmlns:a14="http://schemas.microsoft.com/office/drawing/2010/main">
-                <a:solidFill>
-                  <a:srgbClr val="FFFFFF"/>
-                </a:solidFill>
-              </a14:hiddenFill>
-            </a:ext>
-          </a:extLst>
-        </p:spPr>
-        <p:txBody>
-          <a:bodyPr vert="horz" wrap="square" lIns="91440" tIns="45720" rIns="91440" bIns="45720" numCol="1" anchor="t" anchorCtr="0" compatLnSpc="1">
-            <a:prstTxWarp prst="textNoShape">
-              <a:avLst/>
-            </a:prstTxWarp>
-            <a:normAutofit lnSpcReduction="10000"/>
-          </a:bodyPr>
-          <a:lstStyle/>
-          <a:p>
-            <a:pPr marL="0" indent="0">
-              <a:buNone/>
-            </a:pPr>
-            <a:r>
-              <a:rPr lang="tr-TR" sz="1800" dirty="0"/>
-              <a:t>1. Protokol </a:t>
-            </a:r>
-          </a:p>
-          <a:p>
-            <a:pPr marL="0" indent="0">
-              <a:buNone/>
-            </a:pPr>
-            <a:r>
-              <a:rPr lang="tr-TR" sz="1800" dirty="0"/>
-              <a:t>Genellikle, http:// veya https:// olarak çalışır. Bu protokoller, web tarayıcısına bir web adresinin nasıl takip etmesini söyler. Günümüzde neredeyse tüm web sitelerinde protokolü sizin yazmanıza gerek kalmadan tarayıcı kendi kendine doldurur. </a:t>
-            </a:r>
-          </a:p>
-          <a:p>
-            <a:pPr marL="0" indent="0">
-              <a:buNone/>
-            </a:pPr>
-            <a:r>
-              <a:rPr lang="tr-TR" sz="1800" dirty="0"/>
-              <a:t>2. Domain (Alan Adı) </a:t>
-            </a:r>
-          </a:p>
-          <a:p>
-            <a:pPr marL="0" indent="0">
-              <a:buNone/>
-            </a:pPr>
-            <a:r>
-              <a:rPr lang="tr-TR" sz="1800" dirty="0"/>
-              <a:t>Domain bir web sitesinin adıdır. Bir URL adresinin en üstüdür. Protokolden hemen sonra yazılır. Alan adını hangi sitenin sayfasına gideceğini belirtmek için kullanılır. </a:t>
-            </a:r>
-          </a:p>
-          <a:p>
-            <a:pPr marL="0" indent="0">
-              <a:buNone/>
-            </a:pPr>
-            <a:r>
-              <a:rPr lang="tr-TR" sz="1800" dirty="0"/>
-              <a:t>3. Yol </a:t>
-            </a:r>
-          </a:p>
-          <a:p>
-            <a:pPr marL="0" indent="0">
-              <a:buNone/>
-            </a:pPr>
-            <a:r>
-              <a:rPr lang="tr-TR" sz="1800" dirty="0"/>
-              <a:t>Bunu web sitesinin klasör yapısı olarak düşünebilirsiniz, böylece bir tarayıcı web sayfasının hangi alt klasörde olacağını bilir. Sitedeki herhangi bir dosyaya ulaşmak için yazılan kısımdır. </a:t>
-            </a:r>
-          </a:p>
-          <a:p>
-            <a:pPr marL="0" indent="0">
-              <a:buNone/>
-            </a:pPr>
-            <a:r>
-              <a:rPr lang="tr-TR" sz="1800" dirty="0"/>
-              <a:t>4. Web Sayfası</a:t>
-            </a:r>
-          </a:p>
-          <a:p>
-            <a:pPr marL="0" indent="0">
-              <a:buNone/>
-            </a:pPr>
-            <a:r>
-              <a:rPr lang="tr-TR" sz="1800" dirty="0"/>
-              <a:t>URL adresinin son kısmıdır ve açmak istediğiniz web sayfasıdır. Gitmek istediğiniz web sitesinin bir sayfasını görüntülemek için kullanılan kısımdır. URL adresleri yaşanılan karmaşıklığı gizler. IP adresleri web sayfasının internetteki gerçek konumu olarak hizmet eden bir karakter dizisidir. Bir web tarayıcısına URL girdiğinizde, tarayıcınız Alan Adı Sunucusu (DNS) adı verilen bir araç kullanarak alan adının IP adresini arar.</a:t>
-            </a:r>
-          </a:p>
-        </p:txBody>
-      </p:sp>
-    </p:spTree>
-    <p:extLst>
-      <p:ext uri="{BB962C8B-B14F-4D97-AF65-F5344CB8AC3E}">
-        <p14:creationId xmlns:p14="http://schemas.microsoft.com/office/powerpoint/2010/main" val="3238425634"/>
-      </p:ext>
-    </p:extLst>
-  </p:cSld>
-  <p:clrMapOvr>
-    <a:masterClrMapping/>
-  </p:clrMapOvr>
-</p:sld>
-</file>
-
-<file path=ppt/slides/slide30.xml><?xml version="1.0" encoding="utf-8"?>
-<p:sld xmlns:a="http://schemas.openxmlformats.org/drawingml/2006/main" xmlns:r="http://schemas.openxmlformats.org/officeDocument/2006/relationships" xmlns:p="http://schemas.openxmlformats.org/presentationml/2006/main">
-  <p:cSld>
-    <p:spTree>
-      <p:nvGrpSpPr>
-        <p:cNvPr id="1" name=""/>
-        <p:cNvGrpSpPr/>
-        <p:nvPr/>
-      </p:nvGrpSpPr>
-      <p:grpSpPr>
-        <a:xfrm>
-          <a:off x="0" y="0"/>
-          <a:ext cx="0" cy="0"/>
-          <a:chOff x="0" y="0"/>
-          <a:chExt cx="0" cy="0"/>
-        </a:xfrm>
-      </p:grpSpPr>
-      <p:sp>
-        <p:nvSpPr>
-          <p:cNvPr id="2" name="Title 1">
-            <a:extLst>
-              <a:ext uri="{FF2B5EF4-FFF2-40B4-BE49-F238E27FC236}">
                 <a16:creationId xmlns:a16="http://schemas.microsoft.com/office/drawing/2014/main" id="{EBC304C6-D400-4997-8E0C-86A6D35A83F6}"/>
               </a:ext>
             </a:extLst>
@@ -7117,7 +7297,7 @@
 </p:sld>
 </file>
 
-<file path=ppt/slides/slide31.xml><?xml version="1.0" encoding="utf-8"?>
+<file path=ppt/slides/slide32.xml><?xml version="1.0" encoding="utf-8"?>
 <p:sld xmlns:a="http://schemas.openxmlformats.org/drawingml/2006/main" xmlns:r="http://schemas.openxmlformats.org/officeDocument/2006/relationships" xmlns:p="http://schemas.openxmlformats.org/presentationml/2006/main">
   <p:cSld>
     <p:spTree>
@@ -7280,7 +7460,7 @@
 </p:sld>
 </file>
 
-<file path=ppt/slides/slide32.xml><?xml version="1.0" encoding="utf-8"?>
+<file path=ppt/slides/slide33.xml><?xml version="1.0" encoding="utf-8"?>
 <p:sld xmlns:a="http://schemas.openxmlformats.org/drawingml/2006/main" xmlns:r="http://schemas.openxmlformats.org/officeDocument/2006/relationships" xmlns:p="http://schemas.openxmlformats.org/presentationml/2006/main">
   <p:cSld>
     <p:spTree>
@@ -7441,7 +7621,7 @@
 </p:sld>
 </file>
 
-<file path=ppt/slides/slide33.xml><?xml version="1.0" encoding="utf-8"?>
+<file path=ppt/slides/slide34.xml><?xml version="1.0" encoding="utf-8"?>
 <p:sld xmlns:a="http://schemas.openxmlformats.org/drawingml/2006/main" xmlns:r="http://schemas.openxmlformats.org/officeDocument/2006/relationships" xmlns:p="http://schemas.openxmlformats.org/presentationml/2006/main">
   <p:cSld>
     <p:spTree>
@@ -7545,7 +7725,7 @@
 </p:sld>
 </file>
 
-<file path=ppt/slides/slide34.xml><?xml version="1.0" encoding="utf-8"?>
+<file path=ppt/slides/slide35.xml><?xml version="1.0" encoding="utf-8"?>
 <p:sld xmlns:a="http://schemas.openxmlformats.org/drawingml/2006/main" xmlns:r="http://schemas.openxmlformats.org/officeDocument/2006/relationships" xmlns:p="http://schemas.openxmlformats.org/presentationml/2006/main">
   <p:cSld>
     <p:spTree>
@@ -7703,7 +7883,7 @@
 </p:sld>
 </file>
 
-<file path=ppt/slides/slide35.xml><?xml version="1.0" encoding="utf-8"?>
+<file path=ppt/slides/slide36.xml><?xml version="1.0" encoding="utf-8"?>
 <p:sld xmlns:a="http://schemas.openxmlformats.org/drawingml/2006/main" xmlns:r="http://schemas.openxmlformats.org/officeDocument/2006/relationships" xmlns:p="http://schemas.openxmlformats.org/presentationml/2006/main">
   <p:cSld>
     <p:spTree>
@@ -7821,7 +8001,7 @@
 </p:sld>
 </file>
 
-<file path=ppt/slides/slide36.xml><?xml version="1.0" encoding="utf-8"?>
+<file path=ppt/slides/slide37.xml><?xml version="1.0" encoding="utf-8"?>
 <p:sld xmlns:a="http://schemas.openxmlformats.org/drawingml/2006/main" xmlns:r="http://schemas.openxmlformats.org/officeDocument/2006/relationships" xmlns:p="http://schemas.openxmlformats.org/presentationml/2006/main">
   <p:cSld>
     <p:spTree>
@@ -7913,7 +8093,7 @@
 </p:sld>
 </file>
 
-<file path=ppt/slides/slide37.xml><?xml version="1.0" encoding="utf-8"?>
+<file path=ppt/slides/slide38.xml><?xml version="1.0" encoding="utf-8"?>
 <p:sld xmlns:a="http://schemas.openxmlformats.org/drawingml/2006/main" xmlns:r="http://schemas.openxmlformats.org/officeDocument/2006/relationships" xmlns:p="http://schemas.openxmlformats.org/presentationml/2006/main">
   <p:cSld>
     <p:spTree>
@@ -8005,7 +8185,7 @@
 </p:sld>
 </file>
 
-<file path=ppt/slides/slide38.xml><?xml version="1.0" encoding="utf-8"?>
+<file path=ppt/slides/slide39.xml><?xml version="1.0" encoding="utf-8"?>
 <p:sld xmlns:a="http://schemas.openxmlformats.org/drawingml/2006/main" xmlns:r="http://schemas.openxmlformats.org/officeDocument/2006/relationships" xmlns:p="http://schemas.openxmlformats.org/presentationml/2006/main">
   <p:cSld>
     <p:spTree>
@@ -8088,98 +8268,6 @@
     <p:extLst>
       <p:ext uri="{BB962C8B-B14F-4D97-AF65-F5344CB8AC3E}">
         <p14:creationId xmlns:p14="http://schemas.microsoft.com/office/powerpoint/2010/main" val="3391074714"/>
-      </p:ext>
-    </p:extLst>
-  </p:cSld>
-  <p:clrMapOvr>
-    <a:masterClrMapping/>
-  </p:clrMapOvr>
-</p:sld>
-</file>
-
-<file path=ppt/slides/slide39.xml><?xml version="1.0" encoding="utf-8"?>
-<p:sld xmlns:a="http://schemas.openxmlformats.org/drawingml/2006/main" xmlns:r="http://schemas.openxmlformats.org/officeDocument/2006/relationships" xmlns:p="http://schemas.openxmlformats.org/presentationml/2006/main">
-  <p:cSld>
-    <p:spTree>
-      <p:nvGrpSpPr>
-        <p:cNvPr id="1" name=""/>
-        <p:cNvGrpSpPr/>
-        <p:nvPr/>
-      </p:nvGrpSpPr>
-      <p:grpSpPr>
-        <a:xfrm>
-          <a:off x="0" y="0"/>
-          <a:ext cx="0" cy="0"/>
-          <a:chOff x="0" y="0"/>
-          <a:chExt cx="0" cy="0"/>
-        </a:xfrm>
-      </p:grpSpPr>
-      <p:pic>
-        <p:nvPicPr>
-          <p:cNvPr id="4" name="Content Placeholder 3">
-            <a:extLst>
-              <a:ext uri="{FF2B5EF4-FFF2-40B4-BE49-F238E27FC236}">
-                <a16:creationId xmlns:a16="http://schemas.microsoft.com/office/drawing/2014/main" id="{709F440A-35C0-4D49-967E-D78726914D9F}"/>
-              </a:ext>
-            </a:extLst>
-          </p:cNvPr>
-          <p:cNvPicPr>
-            <a:picLocks noGrp="1" noChangeAspect="1"/>
-          </p:cNvPicPr>
-          <p:nvPr>
-            <p:ph idx="1"/>
-          </p:nvPr>
-        </p:nvPicPr>
-        <p:blipFill>
-          <a:blip r:embed="rId2"/>
-          <a:stretch>
-            <a:fillRect/>
-          </a:stretch>
-        </p:blipFill>
-        <p:spPr>
-          <a:xfrm>
-            <a:off x="791460" y="1253331"/>
-            <a:ext cx="5690851" cy="4351338"/>
-          </a:xfrm>
-          <a:prstGeom prst="rect">
-            <a:avLst/>
-          </a:prstGeom>
-        </p:spPr>
-      </p:pic>
-      <p:pic>
-        <p:nvPicPr>
-          <p:cNvPr id="5" name="Picture 4">
-            <a:extLst>
-              <a:ext uri="{FF2B5EF4-FFF2-40B4-BE49-F238E27FC236}">
-                <a16:creationId xmlns:a16="http://schemas.microsoft.com/office/drawing/2014/main" id="{8976608D-052F-4C5F-AA17-7F9AB54163C0}"/>
-              </a:ext>
-            </a:extLst>
-          </p:cNvPr>
-          <p:cNvPicPr>
-            <a:picLocks noChangeAspect="1"/>
-          </p:cNvPicPr>
-          <p:nvPr/>
-        </p:nvPicPr>
-        <p:blipFill>
-          <a:blip r:embed="rId3"/>
-          <a:stretch>
-            <a:fillRect/>
-          </a:stretch>
-        </p:blipFill>
-        <p:spPr>
-          <a:xfrm>
-            <a:off x="6482311" y="1253331"/>
-            <a:ext cx="4504103" cy="4340953"/>
-          </a:xfrm>
-          <a:prstGeom prst="rect">
-            <a:avLst/>
-          </a:prstGeom>
-        </p:spPr>
-      </p:pic>
-    </p:spTree>
-    <p:extLst>
-      <p:ext uri="{BB962C8B-B14F-4D97-AF65-F5344CB8AC3E}">
-        <p14:creationId xmlns:p14="http://schemas.microsoft.com/office/powerpoint/2010/main" val="718722063"/>
       </p:ext>
     </p:extLst>
   </p:cSld>
@@ -8362,6 +8450,98 @@
           <a:chExt cx="0" cy="0"/>
         </a:xfrm>
       </p:grpSpPr>
+      <p:pic>
+        <p:nvPicPr>
+          <p:cNvPr id="4" name="Content Placeholder 3">
+            <a:extLst>
+              <a:ext uri="{FF2B5EF4-FFF2-40B4-BE49-F238E27FC236}">
+                <a16:creationId xmlns:a16="http://schemas.microsoft.com/office/drawing/2014/main" id="{709F440A-35C0-4D49-967E-D78726914D9F}"/>
+              </a:ext>
+            </a:extLst>
+          </p:cNvPr>
+          <p:cNvPicPr>
+            <a:picLocks noGrp="1" noChangeAspect="1"/>
+          </p:cNvPicPr>
+          <p:nvPr>
+            <p:ph idx="1"/>
+          </p:nvPr>
+        </p:nvPicPr>
+        <p:blipFill>
+          <a:blip r:embed="rId2"/>
+          <a:stretch>
+            <a:fillRect/>
+          </a:stretch>
+        </p:blipFill>
+        <p:spPr>
+          <a:xfrm>
+            <a:off x="791460" y="1253331"/>
+            <a:ext cx="5690851" cy="4351338"/>
+          </a:xfrm>
+          <a:prstGeom prst="rect">
+            <a:avLst/>
+          </a:prstGeom>
+        </p:spPr>
+      </p:pic>
+      <p:pic>
+        <p:nvPicPr>
+          <p:cNvPr id="5" name="Picture 4">
+            <a:extLst>
+              <a:ext uri="{FF2B5EF4-FFF2-40B4-BE49-F238E27FC236}">
+                <a16:creationId xmlns:a16="http://schemas.microsoft.com/office/drawing/2014/main" id="{8976608D-052F-4C5F-AA17-7F9AB54163C0}"/>
+              </a:ext>
+            </a:extLst>
+          </p:cNvPr>
+          <p:cNvPicPr>
+            <a:picLocks noChangeAspect="1"/>
+          </p:cNvPicPr>
+          <p:nvPr/>
+        </p:nvPicPr>
+        <p:blipFill>
+          <a:blip r:embed="rId3"/>
+          <a:stretch>
+            <a:fillRect/>
+          </a:stretch>
+        </p:blipFill>
+        <p:spPr>
+          <a:xfrm>
+            <a:off x="6482311" y="1253331"/>
+            <a:ext cx="4504103" cy="4340953"/>
+          </a:xfrm>
+          <a:prstGeom prst="rect">
+            <a:avLst/>
+          </a:prstGeom>
+        </p:spPr>
+      </p:pic>
+    </p:spTree>
+    <p:extLst>
+      <p:ext uri="{BB962C8B-B14F-4D97-AF65-F5344CB8AC3E}">
+        <p14:creationId xmlns:p14="http://schemas.microsoft.com/office/powerpoint/2010/main" val="718722063"/>
+      </p:ext>
+    </p:extLst>
+  </p:cSld>
+  <p:clrMapOvr>
+    <a:masterClrMapping/>
+  </p:clrMapOvr>
+</p:sld>
+</file>
+
+<file path=ppt/slides/slide41.xml><?xml version="1.0" encoding="utf-8"?>
+<p:sld xmlns:a="http://schemas.openxmlformats.org/drawingml/2006/main" xmlns:r="http://schemas.openxmlformats.org/officeDocument/2006/relationships" xmlns:p="http://schemas.openxmlformats.org/presentationml/2006/main">
+  <p:cSld>
+    <p:spTree>
+      <p:nvGrpSpPr>
+        <p:cNvPr id="1" name=""/>
+        <p:cNvGrpSpPr/>
+        <p:nvPr/>
+      </p:nvGrpSpPr>
+      <p:grpSpPr>
+        <a:xfrm>
+          <a:off x="0" y="0"/>
+          <a:ext cx="0" cy="0"/>
+          <a:chOff x="0" y="0"/>
+          <a:chExt cx="0" cy="0"/>
+        </a:xfrm>
+      </p:grpSpPr>
       <p:sp>
         <p:nvSpPr>
           <p:cNvPr id="2" name="Title 1">
@@ -8632,7 +8812,7 @@
 </p:sld>
 </file>
 
-<file path=ppt/slides/slide41.xml><?xml version="1.0" encoding="utf-8"?>
+<file path=ppt/slides/slide42.xml><?xml version="1.0" encoding="utf-8"?>
 <p:sld xmlns:a="http://schemas.openxmlformats.org/drawingml/2006/main" xmlns:r="http://schemas.openxmlformats.org/officeDocument/2006/relationships" xmlns:p="http://schemas.openxmlformats.org/presentationml/2006/main">
   <p:cSld>
     <p:spTree>
